--- a/Blind_Teaser_Ksolves_Final.pptx
+++ b/Blind_Teaser_Ksolves_Final.pptx
@@ -3451,7 +3451,7 @@
               </a:defRPr>
             </a:pPr>
             <a:r>
-              <a:t>■ The company operates in the infrastructure sector.</a:t>
+              <a:t>■ The company specializes in technology solutions.</a:t>
             </a:r>
           </a:p>
           <a:p>
@@ -3467,11 +3467,35 @@
               </a:defRPr>
             </a:pPr>
             <a:r>
-              <a:t>■ It has a significant manufacturing capacity for construction materials.</a:t>
-            </a:r>
-          </a:p>
-        </p:txBody>
-      </p:sp>
+              <a:t>■ Headquarters located at a specified city, country.</a:t>
+            </a:r>
+          </a:p>
+        </p:txBody>
+      </p:sp>
+      <p:pic>
+        <p:nvPicPr>
+          <p:cNvPr id="7" name="Picture 6" descr="temp_img_0.jpg"/>
+          <p:cNvPicPr>
+            <a:picLocks noChangeAspect="1"/>
+          </p:cNvPicPr>
+          <p:nvPr/>
+        </p:nvPicPr>
+        <p:blipFill>
+          <a:blip r:embed="rId2"/>
+          <a:stretch>
+            <a:fillRect/>
+          </a:stretch>
+        </p:blipFill>
+        <p:spPr>
+          <a:xfrm>
+            <a:off x="5029200" y="1371600"/>
+            <a:ext cx="4114800" cy="3086100"/>
+          </a:xfrm>
+          <a:prstGeom prst="rect">
+            <a:avLst/>
+          </a:prstGeom>
+        </p:spPr>
+      </p:pic>
     </p:spTree>
   </p:cSld>
   <p:clrMapOvr>
@@ -3668,7 +3692,7 @@
               </a:defRPr>
             </a:pPr>
             <a:r>
-              <a:t>■ Revenue: Increasing from None in 2014 to a value of 1374.3 by the year 2025.</a:t>
+              <a:t>■ Revenue for the year 2019: $VALUE.</a:t>
             </a:r>
           </a:p>
           <a:p>
@@ -3684,55 +3708,7 @@
               </a:defRPr>
             </a:pPr>
             <a:r>
-              <a:t>■ Operating EBITDA: Increasing from None in 2014 to a value of 488.9 by the year 2025.</a:t>
-            </a:r>
-          </a:p>
-          <a:p>
-            <a:pPr>
-              <a:spcAft>
-                <a:spcPts val="1200"/>
-              </a:spcAft>
-              <a:defRPr sz="1100">
-                <a:solidFill>
-                  <a:srgbClr val="3C3C3C"/>
-                </a:solidFill>
-                <a:latin typeface="Arial"/>
-              </a:defRPr>
-            </a:pPr>
-            <a:r>
-              <a:t>■ PAT Margin: Increasing from None in 2014 to a value of 24.89 by the year 2025.</a:t>
-            </a:r>
-          </a:p>
-          <a:p>
-            <a:pPr>
-              <a:spcAft>
-                <a:spcPts val="1200"/>
-              </a:spcAft>
-              <a:defRPr sz="1100">
-                <a:solidFill>
-                  <a:srgbClr val="3C3C3C"/>
-                </a:solidFill>
-                <a:latin typeface="Arial"/>
-              </a:defRPr>
-            </a:pPr>
-            <a:r>
-              <a:t>■ ROE: Increasing from None in 2014 to a value of 126.11 by the year 2025.</a:t>
-            </a:r>
-          </a:p>
-          <a:p>
-            <a:pPr>
-              <a:spcAft>
-                <a:spcPts val="1200"/>
-              </a:spcAft>
-              <a:defRPr sz="1100">
-                <a:solidFill>
-                  <a:srgbClr val="3C3C3C"/>
-                </a:solidFill>
-                <a:latin typeface="Arial"/>
-              </a:defRPr>
-            </a:pPr>
-            <a:r>
-              <a:t>■ Asset Turnover: Increasing from None in 2014 to a value of 2.86 by the year 2025.</a:t>
+              <a:t>■ EBITDA for the year 2020: $VALUE.</a:t>
             </a:r>
           </a:p>
         </p:txBody>
@@ -3933,7 +3909,7 @@
               </a:defRPr>
             </a:pPr>
             <a:r>
-              <a:t>■ The company has received significant orders for infrastructure projects.</a:t>
+              <a:t>■ Number of orders received in the year 2019: $VALUE.</a:t>
             </a:r>
           </a:p>
           <a:p>
@@ -3949,27 +3925,35 @@
               </a:defRPr>
             </a:pPr>
             <a:r>
-              <a:t>■ It maintains a robust manufacturing capacity to meet demand.</a:t>
-            </a:r>
-          </a:p>
-          <a:p>
-            <a:pPr>
-              <a:spcAft>
-                <a:spcPts val="1200"/>
-              </a:spcAft>
-              <a:defRPr sz="1100">
-                <a:solidFill>
-                  <a:srgbClr val="3C3C3C"/>
-                </a:solidFill>
-                <a:latin typeface="Arial"/>
-              </a:defRPr>
-            </a:pPr>
-            <a:r>
-              <a:t>■ A substantial order book is in place, with contract durations extending into the future years.</a:t>
-            </a:r>
-          </a:p>
-        </p:txBody>
-      </p:sp>
+              <a:t>■ Capacity or production figures for Q4 2020: $VALUE.</a:t>
+            </a:r>
+          </a:p>
+        </p:txBody>
+      </p:sp>
+      <p:pic>
+        <p:nvPicPr>
+          <p:cNvPr id="7" name="Picture 6" descr="temp_img_2.jpg"/>
+          <p:cNvPicPr>
+            <a:picLocks noChangeAspect="1"/>
+          </p:cNvPicPr>
+          <p:nvPr/>
+        </p:nvPicPr>
+        <p:blipFill>
+          <a:blip r:embed="rId2"/>
+          <a:stretch>
+            <a:fillRect/>
+          </a:stretch>
+        </p:blipFill>
+        <p:spPr>
+          <a:xfrm>
+            <a:off x="5029200" y="1371600"/>
+            <a:ext cx="4114800" cy="3086100"/>
+          </a:xfrm>
+          <a:prstGeom prst="rect">
+            <a:avLst/>
+          </a:prstGeom>
+        </p:spPr>
+      </p:pic>
     </p:spTree>
   </p:cSld>
   <p:clrMapOvr>
